--- a/AI mini project ppt.pptx
+++ b/AI mini project ppt.pptx
@@ -4323,19 +4323,31 @@
         <p:spPr>
           <a:xfrm>
             <a:off x="838200" y="818148"/>
-            <a:ext cx="10515600" cy="5358816"/>
+            <a:ext cx="10515600" cy="5130368"/>
           </a:xfrm>
         </p:spPr>
         <p:txBody>
-          <a:bodyPr/>
-          <a:lstStyle/>
-          <a:p>
+          <a:bodyPr anchor="ctr">
+            <a:normAutofit/>
+          </a:bodyPr>
+          <a:lstStyle/>
+          <a:p>
+            <a:pPr>
+              <a:lnSpc>
+                <a:spcPct val="150000"/>
+              </a:lnSpc>
+            </a:pPr>
             <a:r>
               <a:rPr lang="en-US" dirty="0"/>
               <a:t>Manual quiz creation is a tedious process for teachers.</a:t>
             </a:r>
           </a:p>
           <a:p>
+            <a:pPr>
+              <a:lnSpc>
+                <a:spcPct val="150000"/>
+              </a:lnSpc>
+            </a:pPr>
             <a:r>
               <a:rPr lang="en-US" dirty="0"/>
               <a:t>This project aims to build an AI-based system that automatically generates quiz questions from given text documents, helping educators and learners save time and effort.</a:t>
@@ -4519,7 +4531,7 @@
           </a:xfrm>
         </p:spPr>
         <p:txBody>
-          <a:bodyPr/>
+          <a:bodyPr anchor="ctr"/>
           <a:lstStyle/>
           <a:p>
             <a:pPr marL="0" indent="0">
@@ -4538,25 +4550,43 @@
             </a:r>
           </a:p>
           <a:p>
-            <a:pPr lvl="1"/>
+            <a:pPr lvl="1">
+              <a:buFont typeface="Wingdings" panose="05000000000000000000" pitchFamily="2" charset="2"/>
+              <a:buChar char="ü"/>
+            </a:pPr>
             <a:r>
               <a:rPr lang="en-IN" dirty="0"/>
               <a:t>Cloze Deletion (fill-in-the-blank)</a:t>
             </a:r>
           </a:p>
           <a:p>
-            <a:pPr lvl="1"/>
+            <a:pPr lvl="1">
+              <a:buFont typeface="Wingdings" panose="05000000000000000000" pitchFamily="2" charset="2"/>
+              <a:buChar char="ü"/>
+            </a:pPr>
             <a:r>
               <a:rPr lang="en-IN" dirty="0"/>
               <a:t>Named-Entity Recognition (NER)</a:t>
             </a:r>
           </a:p>
           <a:p>
-            <a:pPr lvl="1"/>
+            <a:pPr lvl="1">
+              <a:buFont typeface="Wingdings" panose="05000000000000000000" pitchFamily="2" charset="2"/>
+              <a:buChar char="ü"/>
+            </a:pPr>
             <a:r>
               <a:rPr lang="en-IN" dirty="0"/>
               <a:t>Transformer-based models (T5, BART)</a:t>
             </a:r>
+            <a:br>
+              <a:rPr lang="en-IN" dirty="0"/>
+            </a:br>
+            <a:endParaRPr lang="en-IN" dirty="0"/>
+          </a:p>
+          <a:p>
+            <a:pPr marL="0" indent="0">
+              <a:buNone/>
+            </a:pPr>
             <a:br>
               <a:rPr lang="en-IN" dirty="0"/>
             </a:br>
@@ -4835,14 +4865,14 @@
           <p:nvPr>
             <p:extLst>
               <p:ext uri="{D42A27DB-BD31-4B8C-83A1-F6EECF244321}">
-                <p14:modId xmlns:p14="http://schemas.microsoft.com/office/powerpoint/2010/main" val="1443146302"/>
+                <p14:modId xmlns:p14="http://schemas.microsoft.com/office/powerpoint/2010/main" val="1376796198"/>
               </p:ext>
             </p:extLst>
           </p:nvPr>
         </p:nvGraphicFramePr>
         <p:xfrm>
           <a:off x="1854200" y="2205222"/>
-          <a:ext cx="8128000" cy="1478280"/>
+          <a:ext cx="8128000" cy="1747520"/>
         </p:xfrm>
         <a:graphic>
           <a:graphicData uri="http://schemas.openxmlformats.org/drawingml/2006/table">
@@ -5059,6 +5089,19 @@
                     <a:bodyPr/>
                     <a:lstStyle/>
                     <a:p>
+                      <a:r>
+                        <a:rPr lang="en-GB" sz="1800" b="1" u="sng" kern="1200" dirty="0">
+                          <a:solidFill>
+                            <a:schemeClr val="dk1"/>
+                          </a:solidFill>
+                          <a:effectLst/>
+                          <a:latin typeface="+mn-lt"/>
+                          <a:ea typeface="+mn-ea"/>
+                          <a:cs typeface="+mn-cs"/>
+                          <a:hlinkClick r:id="rId2"/>
+                        </a:rPr>
+                        <a:t>https://github.com/Atchayakanmani/AI_Quiz_Generator.git</a:t>
+                      </a:r>
                       <a:endParaRPr lang="en-US" dirty="0">
                         <a:solidFill>
                           <a:schemeClr val="tx1"/>
@@ -5178,6 +5221,12 @@
                     <a:bodyPr/>
                     <a:lstStyle/>
                     <a:p>
+                      <a:r>
+                        <a:rPr lang="it-IT" dirty="0">
+                          <a:hlinkClick r:id="rId3"/>
+                        </a:rPr>
+                        <a:t>AI_mini_project_report (1).docx</a:t>
+                      </a:r>
                       <a:endParaRPr lang="en-US" dirty="0">
                         <a:solidFill>
                           <a:schemeClr val="tx1"/>
@@ -5297,6 +5346,12 @@
                     <a:bodyPr/>
                     <a:lstStyle/>
                     <a:p>
+                      <a:r>
+                        <a:rPr lang="it-IT">
+                          <a:hlinkClick r:id="rId4"/>
+                        </a:rPr>
+                        <a:t>AI mini project ppt (2).pptx</a:t>
+                      </a:r>
                       <a:endParaRPr lang="en-US" dirty="0">
                         <a:solidFill>
                           <a:schemeClr val="tx1"/>
